--- a/db/mongodb/2017/materials/ppt/MongoDB_Agenda.pptx
+++ b/db/mongodb/2017/materials/ppt/MongoDB_Agenda.pptx
@@ -113,7 +113,7 @@
   </p:defaultTextStyle>
   <p:extLst>
     <p:ext uri="{EFAFB233-063F-42B5-8137-9DF3F51BA10A}">
-      <p15:sldGuideLst xmlns:p15="http://schemas.microsoft.com/office/powerpoint/2012/main">
+      <p15:sldGuideLst xmlns:p15="http://schemas.microsoft.com/office/powerpoint/2012/main" xmlns="">
         <p15:guide id="1" orient="horz" pos="2160">
           <p15:clr>
             <a:srgbClr val="A4A3A4"/>
@@ -381,6 +381,11 @@
         </p:txBody>
       </p:sp>
     </p:spTree>
+    <p:extLst>
+      <p:ext uri="{BB962C8B-B14F-4D97-AF65-F5344CB8AC3E}">
+        <p14:creationId xmlns:p14="http://schemas.microsoft.com/office/powerpoint/2010/main" val="3954583539"/>
+      </p:ext>
+    </p:extLst>
   </p:cSld>
   <p:clrMap bg1="lt1" tx1="dk1" bg2="lt2" tx2="dk2" accent1="accent1" accent2="accent2" accent3="accent3" accent4="accent4" accent5="accent5" accent6="accent6" hlink="hlink" folHlink="folHlink"/>
   <p:notesStyle>
@@ -5775,7 +5780,7 @@
         </p:nvSpPr>
         <p:spPr>
           <a:xfrm>
-            <a:off x="2057400" y="2819400"/>
+            <a:off x="2057400" y="2895600"/>
             <a:ext cx="6019800" cy="523220"/>
           </a:xfrm>
         </p:spPr>
@@ -5803,7 +5808,7 @@
         </p:nvSpPr>
         <p:spPr>
           <a:xfrm>
-            <a:off x="1523635" y="2895600"/>
+            <a:off x="1523635" y="2971800"/>
             <a:ext cx="381365" cy="381000"/>
           </a:xfrm>
         </p:spPr>
@@ -5830,7 +5835,7 @@
         </p:nvSpPr>
         <p:spPr>
           <a:xfrm>
-            <a:off x="2057400" y="3439180"/>
+            <a:off x="2057400" y="3515380"/>
             <a:ext cx="6019800" cy="523220"/>
           </a:xfrm>
         </p:spPr>
@@ -5857,7 +5862,7 @@
         </p:nvSpPr>
         <p:spPr>
           <a:xfrm>
-            <a:off x="1523635" y="3505200"/>
+            <a:off x="1523635" y="3581400"/>
             <a:ext cx="381365" cy="381000"/>
           </a:xfrm>
         </p:spPr>
@@ -5884,7 +5889,7 @@
         </p:nvSpPr>
         <p:spPr>
           <a:xfrm>
-            <a:off x="2057765" y="4048780"/>
+            <a:off x="2057765" y="4124980"/>
             <a:ext cx="6019800" cy="523220"/>
           </a:xfrm>
         </p:spPr>
@@ -5912,7 +5917,7 @@
         </p:nvSpPr>
         <p:spPr>
           <a:xfrm>
-            <a:off x="1524000" y="4114800"/>
+            <a:off x="1524000" y="4191000"/>
             <a:ext cx="381365" cy="381000"/>
           </a:xfrm>
         </p:spPr>
@@ -5927,6 +5932,42 @@
           </a:p>
         </p:txBody>
       </p:sp>
+      <p:cxnSp>
+        <p:nvCxnSpPr>
+          <p:cNvPr id="14" name="直接连接符 13"/>
+          <p:cNvCxnSpPr/>
+          <p:nvPr/>
+        </p:nvCxnSpPr>
+        <p:spPr>
+          <a:xfrm>
+            <a:off x="1066800" y="2819400"/>
+            <a:ext cx="6781800" cy="0"/>
+          </a:xfrm>
+          <a:prstGeom prst="line">
+            <a:avLst/>
+          </a:prstGeom>
+          <a:ln w="28575">
+            <a:solidFill>
+              <a:srgbClr val="00B050"/>
+            </a:solidFill>
+            <a:prstDash val="sysDash"/>
+          </a:ln>
+        </p:spPr>
+        <p:style>
+          <a:lnRef idx="1">
+            <a:schemeClr val="accent1"/>
+          </a:lnRef>
+          <a:fillRef idx="0">
+            <a:schemeClr val="accent1"/>
+          </a:fillRef>
+          <a:effectRef idx="0">
+            <a:schemeClr val="accent1"/>
+          </a:effectRef>
+          <a:fontRef idx="minor">
+            <a:schemeClr val="tx1"/>
+          </a:fontRef>
+        </p:style>
+      </p:cxnSp>
     </p:spTree>
   </p:cSld>
   <p:clrMapOvr>
@@ -7351,9 +7392,12 @@
 </file>
 
 <file path=customXml/item1.xml><?xml version="1.0" encoding="utf-8"?>
-<p:properties xmlns:p="http://schemas.microsoft.com/office/2006/metadata/properties" xmlns:xsi="http://www.w3.org/2001/XMLSchema-instance">
-  <documentManagement/>
-</p:properties>
+<?mso-contentType ?>
+<FormTemplates xmlns="http://schemas.microsoft.com/sharepoint/v3/contenttype/forms">
+  <Display>DocumentLibraryForm</Display>
+  <Edit>DocumentLibraryForm</Edit>
+  <New>DocumentLibraryForm</New>
+</FormTemplates>
 </file>
 
 <file path=customXml/item2.xml><?xml version="1.0" encoding="utf-8"?>
@@ -7406,18 +7450,15 @@
 </file>
 
 <file path=customXml/item3.xml><?xml version="1.0" encoding="utf-8"?>
-<?mso-contentType ?>
-<FormTemplates xmlns="http://schemas.microsoft.com/sharepoint/v3/contenttype/forms">
-  <Display>DocumentLibraryForm</Display>
-  <Edit>DocumentLibraryForm</Edit>
-  <New>DocumentLibraryForm</New>
-</FormTemplates>
+<p:properties xmlns:p="http://schemas.microsoft.com/office/2006/metadata/properties" xmlns:xsi="http://www.w3.org/2001/XMLSchema-instance">
+  <documentManagement/>
+</p:properties>
 </file>
 
 <file path=customXml/itemProps1.xml><?xml version="1.0" encoding="utf-8"?>
-<ds:datastoreItem xmlns:ds="http://schemas.openxmlformats.org/officeDocument/2006/customXml" ds:itemID="{BC974159-165D-43A7-BAC0-2BE7E1872CAD}">
+<ds:datastoreItem xmlns:ds="http://schemas.openxmlformats.org/officeDocument/2006/customXml" ds:itemID="{AF2462E9-E3C6-4B9B-800D-1AA92DB6FEE6}">
   <ds:schemaRefs>
-    <ds:schemaRef ds:uri="http://schemas.microsoft.com/office/2006/metadata/properties"/>
+    <ds:schemaRef ds:uri="http://schemas.microsoft.com/sharepoint/v3/contenttype/forms"/>
   </ds:schemaRefs>
 </ds:datastoreItem>
 </file>
@@ -7438,9 +7479,9 @@
 </file>
 
 <file path=customXml/itemProps3.xml><?xml version="1.0" encoding="utf-8"?>
-<ds:datastoreItem xmlns:ds="http://schemas.openxmlformats.org/officeDocument/2006/customXml" ds:itemID="{AF2462E9-E3C6-4B9B-800D-1AA92DB6FEE6}">
+<ds:datastoreItem xmlns:ds="http://schemas.openxmlformats.org/officeDocument/2006/customXml" ds:itemID="{BC974159-165D-43A7-BAC0-2BE7E1872CAD}">
   <ds:schemaRefs>
-    <ds:schemaRef ds:uri="http://schemas.microsoft.com/sharepoint/v3/contenttype/forms"/>
+    <ds:schemaRef ds:uri="http://schemas.microsoft.com/office/2006/metadata/properties"/>
   </ds:schemaRefs>
 </ds:datastoreItem>
 </file>